--- a/bdsky/ncr-bdsky.pptx
+++ b/bdsky/ncr-bdsky.pptx
@@ -104,6 +104,11 @@
       </a:defRPr>
     </a:lvl9pPr>
   </p:defaultTextStyle>
+  <p:extLst>
+    <p:ext uri="{EFAFB233-063F-42B5-8137-9DF3F51BA10A}">
+      <p15:sldGuideLst xmlns:p15="http://schemas.microsoft.com/office/powerpoint/2012/main"/>
+    </p:ext>
+  </p:extLst>
 </p:presentation>
 </file>
 
@@ -254,7 +259,7 @@
           <a:p>
             <a:fld id="{07FC39FB-50FB-134C-BA5B-FF054E914F03}" type="datetimeFigureOut">
               <a:rPr lang="en-US" smtClean="0"/>
-              <a:t>4/7/22</a:t>
+              <a:t>4/11/22</a:t>
             </a:fld>
             <a:endParaRPr lang="en-US"/>
           </a:p>
@@ -452,7 +457,7 @@
           <a:p>
             <a:fld id="{07FC39FB-50FB-134C-BA5B-FF054E914F03}" type="datetimeFigureOut">
               <a:rPr lang="en-US" smtClean="0"/>
-              <a:t>4/7/22</a:t>
+              <a:t>4/11/22</a:t>
             </a:fld>
             <a:endParaRPr lang="en-US"/>
           </a:p>
@@ -660,7 +665,7 @@
           <a:p>
             <a:fld id="{07FC39FB-50FB-134C-BA5B-FF054E914F03}" type="datetimeFigureOut">
               <a:rPr lang="en-US" smtClean="0"/>
-              <a:t>4/7/22</a:t>
+              <a:t>4/11/22</a:t>
             </a:fld>
             <a:endParaRPr lang="en-US"/>
           </a:p>
@@ -858,7 +863,7 @@
           <a:p>
             <a:fld id="{07FC39FB-50FB-134C-BA5B-FF054E914F03}" type="datetimeFigureOut">
               <a:rPr lang="en-US" smtClean="0"/>
-              <a:t>4/7/22</a:t>
+              <a:t>4/11/22</a:t>
             </a:fld>
             <a:endParaRPr lang="en-US"/>
           </a:p>
@@ -1133,7 +1138,7 @@
           <a:p>
             <a:fld id="{07FC39FB-50FB-134C-BA5B-FF054E914F03}" type="datetimeFigureOut">
               <a:rPr lang="en-US" smtClean="0"/>
-              <a:t>4/7/22</a:t>
+              <a:t>4/11/22</a:t>
             </a:fld>
             <a:endParaRPr lang="en-US"/>
           </a:p>
@@ -1398,7 +1403,7 @@
           <a:p>
             <a:fld id="{07FC39FB-50FB-134C-BA5B-FF054E914F03}" type="datetimeFigureOut">
               <a:rPr lang="en-US" smtClean="0"/>
-              <a:t>4/7/22</a:t>
+              <a:t>4/11/22</a:t>
             </a:fld>
             <a:endParaRPr lang="en-US"/>
           </a:p>
@@ -1810,7 +1815,7 @@
           <a:p>
             <a:fld id="{07FC39FB-50FB-134C-BA5B-FF054E914F03}" type="datetimeFigureOut">
               <a:rPr lang="en-US" smtClean="0"/>
-              <a:t>4/7/22</a:t>
+              <a:t>4/11/22</a:t>
             </a:fld>
             <a:endParaRPr lang="en-US"/>
           </a:p>
@@ -1951,7 +1956,7 @@
           <a:p>
             <a:fld id="{07FC39FB-50FB-134C-BA5B-FF054E914F03}" type="datetimeFigureOut">
               <a:rPr lang="en-US" smtClean="0"/>
-              <a:t>4/7/22</a:t>
+              <a:t>4/11/22</a:t>
             </a:fld>
             <a:endParaRPr lang="en-US"/>
           </a:p>
@@ -2064,7 +2069,7 @@
           <a:p>
             <a:fld id="{07FC39FB-50FB-134C-BA5B-FF054E914F03}" type="datetimeFigureOut">
               <a:rPr lang="en-US" smtClean="0"/>
-              <a:t>4/7/22</a:t>
+              <a:t>4/11/22</a:t>
             </a:fld>
             <a:endParaRPr lang="en-US"/>
           </a:p>
@@ -2375,7 +2380,7 @@
           <a:p>
             <a:fld id="{07FC39FB-50FB-134C-BA5B-FF054E914F03}" type="datetimeFigureOut">
               <a:rPr lang="en-US" smtClean="0"/>
-              <a:t>4/7/22</a:t>
+              <a:t>4/11/22</a:t>
             </a:fld>
             <a:endParaRPr lang="en-US"/>
           </a:p>
@@ -2663,7 +2668,7 @@
           <a:p>
             <a:fld id="{07FC39FB-50FB-134C-BA5B-FF054E914F03}" type="datetimeFigureOut">
               <a:rPr lang="en-US" smtClean="0"/>
-              <a:t>4/7/22</a:t>
+              <a:t>4/11/22</a:t>
             </a:fld>
             <a:endParaRPr lang="en-US"/>
           </a:p>
@@ -2904,7 +2909,7 @@
           <a:p>
             <a:fld id="{07FC39FB-50FB-134C-BA5B-FF054E914F03}" type="datetimeFigureOut">
               <a:rPr lang="en-US" smtClean="0"/>
-              <a:t>4/7/22</a:t>
+              <a:t>4/11/22</a:t>
             </a:fld>
             <a:endParaRPr lang="en-US"/>
           </a:p>
@@ -3488,10 +3493,10 @@
       </p:sp>
       <p:pic>
         <p:nvPicPr>
-          <p:cNvPr id="21" name="Picture 20" descr="Chart, diagram&#10;&#10;Description automatically generated">
-            <a:extLst>
-              <a:ext uri="{FF2B5EF4-FFF2-40B4-BE49-F238E27FC236}">
-                <a16:creationId xmlns:a16="http://schemas.microsoft.com/office/drawing/2014/main" id="{59F505B7-7BDD-C14C-AA1E-35729B328C5C}"/>
+          <p:cNvPr id="11" name="Picture 10" descr="Chart, diagram&#10;&#10;Description automatically generated">
+            <a:extLst>
+              <a:ext uri="{FF2B5EF4-FFF2-40B4-BE49-F238E27FC236}">
+                <a16:creationId xmlns:a16="http://schemas.microsoft.com/office/drawing/2014/main" id="{A1A3646D-C17F-424D-8900-5BA859BD6A6E}"/>
               </a:ext>
             </a:extLst>
           </p:cNvPr>
@@ -3516,6 +3521,146 @@
           </a:prstGeom>
         </p:spPr>
       </p:pic>
+      <p:sp>
+        <p:nvSpPr>
+          <p:cNvPr id="2" name="TextBox 1">
+            <a:extLst>
+              <a:ext uri="{FF2B5EF4-FFF2-40B4-BE49-F238E27FC236}">
+                <a16:creationId xmlns:a16="http://schemas.microsoft.com/office/drawing/2014/main" id="{8FC9C1F8-264D-6447-8A0F-0BE2D935838D}"/>
+              </a:ext>
+            </a:extLst>
+          </p:cNvPr>
+          <p:cNvSpPr txBox="1"/>
+          <p:nvPr/>
+        </p:nvSpPr>
+        <p:spPr>
+          <a:xfrm>
+            <a:off x="2317072" y="257452"/>
+            <a:ext cx="532660" cy="261610"/>
+          </a:xfrm>
+          <a:prstGeom prst="rect">
+            <a:avLst/>
+          </a:prstGeom>
+          <a:noFill/>
+        </p:spPr>
+        <p:txBody>
+          <a:bodyPr wrap="square" rtlCol="0">
+            <a:spAutoFit/>
+          </a:bodyPr>
+          <a:lstStyle/>
+          <a:p>
+            <a:r>
+              <a:rPr lang="en-US" sz="1100" dirty="0"/>
+              <a:t>None</a:t>
+            </a:r>
+          </a:p>
+        </p:txBody>
+      </p:sp>
+      <p:sp>
+        <p:nvSpPr>
+          <p:cNvPr id="9" name="TextBox 8">
+            <a:extLst>
+              <a:ext uri="{FF2B5EF4-FFF2-40B4-BE49-F238E27FC236}">
+                <a16:creationId xmlns:a16="http://schemas.microsoft.com/office/drawing/2014/main" id="{74F62C3F-EB87-0349-91B8-2CF163843556}"/>
+              </a:ext>
+            </a:extLst>
+          </p:cNvPr>
+          <p:cNvSpPr txBox="1"/>
+          <p:nvPr/>
+        </p:nvSpPr>
+        <p:spPr>
+          <a:xfrm>
+            <a:off x="3524984" y="257452"/>
+            <a:ext cx="532660" cy="261610"/>
+          </a:xfrm>
+          <a:prstGeom prst="rect">
+            <a:avLst/>
+          </a:prstGeom>
+          <a:noFill/>
+        </p:spPr>
+        <p:txBody>
+          <a:bodyPr wrap="square" rtlCol="0">
+            <a:spAutoFit/>
+          </a:bodyPr>
+          <a:lstStyle/>
+          <a:p>
+            <a:r>
+              <a:rPr lang="en-US" sz="1100" dirty="0"/>
+              <a:t>ECQ</a:t>
+            </a:r>
+          </a:p>
+        </p:txBody>
+      </p:sp>
+      <p:sp>
+        <p:nvSpPr>
+          <p:cNvPr id="12" name="TextBox 11">
+            <a:extLst>
+              <a:ext uri="{FF2B5EF4-FFF2-40B4-BE49-F238E27FC236}">
+                <a16:creationId xmlns:a16="http://schemas.microsoft.com/office/drawing/2014/main" id="{F9F367DD-C201-8E4B-BAA8-68DA52500AE0}"/>
+              </a:ext>
+            </a:extLst>
+          </p:cNvPr>
+          <p:cNvSpPr txBox="1"/>
+          <p:nvPr/>
+        </p:nvSpPr>
+        <p:spPr>
+          <a:xfrm>
+            <a:off x="4848031" y="257452"/>
+            <a:ext cx="532660" cy="261610"/>
+          </a:xfrm>
+          <a:prstGeom prst="rect">
+            <a:avLst/>
+          </a:prstGeom>
+          <a:noFill/>
+        </p:spPr>
+        <p:txBody>
+          <a:bodyPr wrap="square" rtlCol="0">
+            <a:spAutoFit/>
+          </a:bodyPr>
+          <a:lstStyle/>
+          <a:p>
+            <a:r>
+              <a:rPr lang="en-US" sz="1100" dirty="0"/>
+              <a:t>GCQ</a:t>
+            </a:r>
+          </a:p>
+        </p:txBody>
+      </p:sp>
+      <p:sp>
+        <p:nvSpPr>
+          <p:cNvPr id="13" name="TextBox 12">
+            <a:extLst>
+              <a:ext uri="{FF2B5EF4-FFF2-40B4-BE49-F238E27FC236}">
+                <a16:creationId xmlns:a16="http://schemas.microsoft.com/office/drawing/2014/main" id="{45957690-6C63-094E-8A69-C74D897600CD}"/>
+              </a:ext>
+            </a:extLst>
+          </p:cNvPr>
+          <p:cNvSpPr txBox="1"/>
+          <p:nvPr/>
+        </p:nvSpPr>
+        <p:spPr>
+          <a:xfrm rot="16200000">
+            <a:off x="4068689" y="227540"/>
+            <a:ext cx="740725" cy="261610"/>
+          </a:xfrm>
+          <a:prstGeom prst="rect">
+            <a:avLst/>
+          </a:prstGeom>
+          <a:noFill/>
+        </p:spPr>
+        <p:txBody>
+          <a:bodyPr wrap="square" rtlCol="0">
+            <a:spAutoFit/>
+          </a:bodyPr>
+          <a:lstStyle/>
+          <a:p>
+            <a:r>
+              <a:rPr lang="en-US" sz="1100" dirty="0"/>
+              <a:t>MECQ</a:t>
+            </a:r>
+          </a:p>
+        </p:txBody>
+      </p:sp>
     </p:spTree>
     <p:extLst>
       <p:ext uri="{BB962C8B-B14F-4D97-AF65-F5344CB8AC3E}">

--- a/bdsky/ncr-bdsky.pptx
+++ b/bdsky/ncr-bdsky.pptx
@@ -259,7 +259,7 @@
           <a:p>
             <a:fld id="{07FC39FB-50FB-134C-BA5B-FF054E914F03}" type="datetimeFigureOut">
               <a:rPr lang="en-US" smtClean="0"/>
-              <a:t>4/11/22</a:t>
+              <a:t>4/16/22</a:t>
             </a:fld>
             <a:endParaRPr lang="en-US"/>
           </a:p>
@@ -457,7 +457,7 @@
           <a:p>
             <a:fld id="{07FC39FB-50FB-134C-BA5B-FF054E914F03}" type="datetimeFigureOut">
               <a:rPr lang="en-US" smtClean="0"/>
-              <a:t>4/11/22</a:t>
+              <a:t>4/16/22</a:t>
             </a:fld>
             <a:endParaRPr lang="en-US"/>
           </a:p>
@@ -665,7 +665,7 @@
           <a:p>
             <a:fld id="{07FC39FB-50FB-134C-BA5B-FF054E914F03}" type="datetimeFigureOut">
               <a:rPr lang="en-US" smtClean="0"/>
-              <a:t>4/11/22</a:t>
+              <a:t>4/16/22</a:t>
             </a:fld>
             <a:endParaRPr lang="en-US"/>
           </a:p>
@@ -863,7 +863,7 @@
           <a:p>
             <a:fld id="{07FC39FB-50FB-134C-BA5B-FF054E914F03}" type="datetimeFigureOut">
               <a:rPr lang="en-US" smtClean="0"/>
-              <a:t>4/11/22</a:t>
+              <a:t>4/16/22</a:t>
             </a:fld>
             <a:endParaRPr lang="en-US"/>
           </a:p>
@@ -1138,7 +1138,7 @@
           <a:p>
             <a:fld id="{07FC39FB-50FB-134C-BA5B-FF054E914F03}" type="datetimeFigureOut">
               <a:rPr lang="en-US" smtClean="0"/>
-              <a:t>4/11/22</a:t>
+              <a:t>4/16/22</a:t>
             </a:fld>
             <a:endParaRPr lang="en-US"/>
           </a:p>
@@ -1403,7 +1403,7 @@
           <a:p>
             <a:fld id="{07FC39FB-50FB-134C-BA5B-FF054E914F03}" type="datetimeFigureOut">
               <a:rPr lang="en-US" smtClean="0"/>
-              <a:t>4/11/22</a:t>
+              <a:t>4/16/22</a:t>
             </a:fld>
             <a:endParaRPr lang="en-US"/>
           </a:p>
@@ -1815,7 +1815,7 @@
           <a:p>
             <a:fld id="{07FC39FB-50FB-134C-BA5B-FF054E914F03}" type="datetimeFigureOut">
               <a:rPr lang="en-US" smtClean="0"/>
-              <a:t>4/11/22</a:t>
+              <a:t>4/16/22</a:t>
             </a:fld>
             <a:endParaRPr lang="en-US"/>
           </a:p>
@@ -1956,7 +1956,7 @@
           <a:p>
             <a:fld id="{07FC39FB-50FB-134C-BA5B-FF054E914F03}" type="datetimeFigureOut">
               <a:rPr lang="en-US" smtClean="0"/>
-              <a:t>4/11/22</a:t>
+              <a:t>4/16/22</a:t>
             </a:fld>
             <a:endParaRPr lang="en-US"/>
           </a:p>
@@ -2069,7 +2069,7 @@
           <a:p>
             <a:fld id="{07FC39FB-50FB-134C-BA5B-FF054E914F03}" type="datetimeFigureOut">
               <a:rPr lang="en-US" smtClean="0"/>
-              <a:t>4/11/22</a:t>
+              <a:t>4/16/22</a:t>
             </a:fld>
             <a:endParaRPr lang="en-US"/>
           </a:p>
@@ -2380,7 +2380,7 @@
           <a:p>
             <a:fld id="{07FC39FB-50FB-134C-BA5B-FF054E914F03}" type="datetimeFigureOut">
               <a:rPr lang="en-US" smtClean="0"/>
-              <a:t>4/11/22</a:t>
+              <a:t>4/16/22</a:t>
             </a:fld>
             <a:endParaRPr lang="en-US"/>
           </a:p>
@@ -2668,7 +2668,7 @@
           <a:p>
             <a:fld id="{07FC39FB-50FB-134C-BA5B-FF054E914F03}" type="datetimeFigureOut">
               <a:rPr lang="en-US" smtClean="0"/>
-              <a:t>4/11/22</a:t>
+              <a:t>4/16/22</a:t>
             </a:fld>
             <a:endParaRPr lang="en-US"/>
           </a:p>
@@ -2909,7 +2909,7 @@
           <a:p>
             <a:fld id="{07FC39FB-50FB-134C-BA5B-FF054E914F03}" type="datetimeFigureOut">
               <a:rPr lang="en-US" smtClean="0"/>
-              <a:t>4/11/22</a:t>
+              <a:t>4/16/22</a:t>
             </a:fld>
             <a:endParaRPr lang="en-US"/>
           </a:p>
@@ -3491,12 +3491,152 @@
           </a:p>
         </p:txBody>
       </p:sp>
+      <p:sp>
+        <p:nvSpPr>
+          <p:cNvPr id="2" name="TextBox 1">
+            <a:extLst>
+              <a:ext uri="{FF2B5EF4-FFF2-40B4-BE49-F238E27FC236}">
+                <a16:creationId xmlns:a16="http://schemas.microsoft.com/office/drawing/2014/main" id="{8FC9C1F8-264D-6447-8A0F-0BE2D935838D}"/>
+              </a:ext>
+            </a:extLst>
+          </p:cNvPr>
+          <p:cNvSpPr txBox="1"/>
+          <p:nvPr/>
+        </p:nvSpPr>
+        <p:spPr>
+          <a:xfrm>
+            <a:off x="2317072" y="257452"/>
+            <a:ext cx="532660" cy="261610"/>
+          </a:xfrm>
+          <a:prstGeom prst="rect">
+            <a:avLst/>
+          </a:prstGeom>
+          <a:noFill/>
+        </p:spPr>
+        <p:txBody>
+          <a:bodyPr wrap="square" rtlCol="0">
+            <a:spAutoFit/>
+          </a:bodyPr>
+          <a:lstStyle/>
+          <a:p>
+            <a:r>
+              <a:rPr lang="en-US" sz="1100" dirty="0"/>
+              <a:t>None</a:t>
+            </a:r>
+          </a:p>
+        </p:txBody>
+      </p:sp>
+      <p:sp>
+        <p:nvSpPr>
+          <p:cNvPr id="9" name="TextBox 8">
+            <a:extLst>
+              <a:ext uri="{FF2B5EF4-FFF2-40B4-BE49-F238E27FC236}">
+                <a16:creationId xmlns:a16="http://schemas.microsoft.com/office/drawing/2014/main" id="{74F62C3F-EB87-0349-91B8-2CF163843556}"/>
+              </a:ext>
+            </a:extLst>
+          </p:cNvPr>
+          <p:cNvSpPr txBox="1"/>
+          <p:nvPr/>
+        </p:nvSpPr>
+        <p:spPr>
+          <a:xfrm>
+            <a:off x="3524984" y="257452"/>
+            <a:ext cx="532660" cy="261610"/>
+          </a:xfrm>
+          <a:prstGeom prst="rect">
+            <a:avLst/>
+          </a:prstGeom>
+          <a:noFill/>
+        </p:spPr>
+        <p:txBody>
+          <a:bodyPr wrap="square" rtlCol="0">
+            <a:spAutoFit/>
+          </a:bodyPr>
+          <a:lstStyle/>
+          <a:p>
+            <a:r>
+              <a:rPr lang="en-US" sz="1100" dirty="0"/>
+              <a:t>ECQ</a:t>
+            </a:r>
+          </a:p>
+        </p:txBody>
+      </p:sp>
+      <p:sp>
+        <p:nvSpPr>
+          <p:cNvPr id="12" name="TextBox 11">
+            <a:extLst>
+              <a:ext uri="{FF2B5EF4-FFF2-40B4-BE49-F238E27FC236}">
+                <a16:creationId xmlns:a16="http://schemas.microsoft.com/office/drawing/2014/main" id="{F9F367DD-C201-8E4B-BAA8-68DA52500AE0}"/>
+              </a:ext>
+            </a:extLst>
+          </p:cNvPr>
+          <p:cNvSpPr txBox="1"/>
+          <p:nvPr/>
+        </p:nvSpPr>
+        <p:spPr>
+          <a:xfrm>
+            <a:off x="4848031" y="257452"/>
+            <a:ext cx="532660" cy="261610"/>
+          </a:xfrm>
+          <a:prstGeom prst="rect">
+            <a:avLst/>
+          </a:prstGeom>
+          <a:noFill/>
+        </p:spPr>
+        <p:txBody>
+          <a:bodyPr wrap="square" rtlCol="0">
+            <a:spAutoFit/>
+          </a:bodyPr>
+          <a:lstStyle/>
+          <a:p>
+            <a:r>
+              <a:rPr lang="en-US" sz="1100" dirty="0"/>
+              <a:t>GCQ</a:t>
+            </a:r>
+          </a:p>
+        </p:txBody>
+      </p:sp>
+      <p:sp>
+        <p:nvSpPr>
+          <p:cNvPr id="13" name="TextBox 12">
+            <a:extLst>
+              <a:ext uri="{FF2B5EF4-FFF2-40B4-BE49-F238E27FC236}">
+                <a16:creationId xmlns:a16="http://schemas.microsoft.com/office/drawing/2014/main" id="{45957690-6C63-094E-8A69-C74D897600CD}"/>
+              </a:ext>
+            </a:extLst>
+          </p:cNvPr>
+          <p:cNvSpPr txBox="1"/>
+          <p:nvPr/>
+        </p:nvSpPr>
+        <p:spPr>
+          <a:xfrm rot="16200000">
+            <a:off x="4068689" y="227540"/>
+            <a:ext cx="740725" cy="261610"/>
+          </a:xfrm>
+          <a:prstGeom prst="rect">
+            <a:avLst/>
+          </a:prstGeom>
+          <a:noFill/>
+        </p:spPr>
+        <p:txBody>
+          <a:bodyPr wrap="square" rtlCol="0">
+            <a:spAutoFit/>
+          </a:bodyPr>
+          <a:lstStyle/>
+          <a:p>
+            <a:r>
+              <a:rPr lang="en-US" sz="1100" dirty="0"/>
+              <a:t>MECQ</a:t>
+            </a:r>
+          </a:p>
+        </p:txBody>
+      </p:sp>
       <p:pic>
         <p:nvPicPr>
-          <p:cNvPr id="11" name="Picture 10" descr="Chart, diagram&#10;&#10;Description automatically generated">
-            <a:extLst>
-              <a:ext uri="{FF2B5EF4-FFF2-40B4-BE49-F238E27FC236}">
-                <a16:creationId xmlns:a16="http://schemas.microsoft.com/office/drawing/2014/main" id="{A1A3646D-C17F-424D-8900-5BA859BD6A6E}"/>
+          <p:cNvPr id="4" name="Picture 3" descr="A picture containing chart&#10;&#10;Description automatically generated">
+            <a:extLst>
+              <a:ext uri="{FF2B5EF4-FFF2-40B4-BE49-F238E27FC236}">
+                <a16:creationId xmlns:a16="http://schemas.microsoft.com/office/drawing/2014/main" id="{09D23B73-DB32-46B6-3788-B7CE75295A72}"/>
               </a:ext>
             </a:extLst>
           </p:cNvPr>
@@ -3513,20 +3653,50 @@
         </p:blipFill>
         <p:spPr>
           <a:xfrm>
-            <a:off x="1834155" y="3429000"/>
-            <a:ext cx="8597831" cy="3070654"/>
+            <a:off x="1412597" y="3328106"/>
+            <a:ext cx="4298915" cy="3070654"/>
           </a:xfrm>
           <a:prstGeom prst="rect">
             <a:avLst/>
           </a:prstGeom>
         </p:spPr>
       </p:pic>
-      <p:sp>
-        <p:nvSpPr>
-          <p:cNvPr id="2" name="TextBox 1">
-            <a:extLst>
-              <a:ext uri="{FF2B5EF4-FFF2-40B4-BE49-F238E27FC236}">
-                <a16:creationId xmlns:a16="http://schemas.microsoft.com/office/drawing/2014/main" id="{8FC9C1F8-264D-6447-8A0F-0BE2D935838D}"/>
+      <p:pic>
+        <p:nvPicPr>
+          <p:cNvPr id="6" name="Picture 5" descr="Logo, company name&#10;&#10;Description automatically generated">
+            <a:extLst>
+              <a:ext uri="{FF2B5EF4-FFF2-40B4-BE49-F238E27FC236}">
+                <a16:creationId xmlns:a16="http://schemas.microsoft.com/office/drawing/2014/main" id="{CCA2DD64-CA8A-A91B-A6AA-D0C2C68379A8}"/>
+              </a:ext>
+            </a:extLst>
+          </p:cNvPr>
+          <p:cNvPicPr>
+            <a:picLocks noChangeAspect="1"/>
+          </p:cNvPicPr>
+          <p:nvPr/>
+        </p:nvPicPr>
+        <p:blipFill>
+          <a:blip r:embed="rId5"/>
+          <a:stretch>
+            <a:fillRect/>
+          </a:stretch>
+        </p:blipFill>
+        <p:spPr>
+          <a:xfrm>
+            <a:off x="6348501" y="3568012"/>
+            <a:ext cx="4298915" cy="3070654"/>
+          </a:xfrm>
+          <a:prstGeom prst="rect">
+            <a:avLst/>
+          </a:prstGeom>
+        </p:spPr>
+      </p:pic>
+      <p:sp>
+        <p:nvSpPr>
+          <p:cNvPr id="16" name="TextBox 15">
+            <a:extLst>
+              <a:ext uri="{FF2B5EF4-FFF2-40B4-BE49-F238E27FC236}">
+                <a16:creationId xmlns:a16="http://schemas.microsoft.com/office/drawing/2014/main" id="{4EFC4309-510B-E88C-B2CE-189FFAA94FF9}"/>
               </a:ext>
             </a:extLst>
           </p:cNvPr>
@@ -3535,8 +3705,8 @@
         </p:nvSpPr>
         <p:spPr>
           <a:xfrm>
-            <a:off x="2317072" y="257452"/>
-            <a:ext cx="532660" cy="261610"/>
+            <a:off x="6227176" y="3429000"/>
+            <a:ext cx="506627" cy="369332"/>
           </a:xfrm>
           <a:prstGeom prst="rect">
             <a:avLst/>
@@ -3550,113 +3720,8 @@
           <a:lstStyle/>
           <a:p>
             <a:r>
-              <a:rPr lang="en-US" sz="1100" dirty="0"/>
-              <a:t>None</a:t>
-            </a:r>
-          </a:p>
-        </p:txBody>
-      </p:sp>
-      <p:sp>
-        <p:nvSpPr>
-          <p:cNvPr id="9" name="TextBox 8">
-            <a:extLst>
-              <a:ext uri="{FF2B5EF4-FFF2-40B4-BE49-F238E27FC236}">
-                <a16:creationId xmlns:a16="http://schemas.microsoft.com/office/drawing/2014/main" id="{74F62C3F-EB87-0349-91B8-2CF163843556}"/>
-              </a:ext>
-            </a:extLst>
-          </p:cNvPr>
-          <p:cNvSpPr txBox="1"/>
-          <p:nvPr/>
-        </p:nvSpPr>
-        <p:spPr>
-          <a:xfrm>
-            <a:off x="3524984" y="257452"/>
-            <a:ext cx="532660" cy="261610"/>
-          </a:xfrm>
-          <a:prstGeom prst="rect">
-            <a:avLst/>
-          </a:prstGeom>
-          <a:noFill/>
-        </p:spPr>
-        <p:txBody>
-          <a:bodyPr wrap="square" rtlCol="0">
-            <a:spAutoFit/>
-          </a:bodyPr>
-          <a:lstStyle/>
-          <a:p>
-            <a:r>
-              <a:rPr lang="en-US" sz="1100" dirty="0"/>
-              <a:t>ECQ</a:t>
-            </a:r>
-          </a:p>
-        </p:txBody>
-      </p:sp>
-      <p:sp>
-        <p:nvSpPr>
-          <p:cNvPr id="12" name="TextBox 11">
-            <a:extLst>
-              <a:ext uri="{FF2B5EF4-FFF2-40B4-BE49-F238E27FC236}">
-                <a16:creationId xmlns:a16="http://schemas.microsoft.com/office/drawing/2014/main" id="{F9F367DD-C201-8E4B-BAA8-68DA52500AE0}"/>
-              </a:ext>
-            </a:extLst>
-          </p:cNvPr>
-          <p:cNvSpPr txBox="1"/>
-          <p:nvPr/>
-        </p:nvSpPr>
-        <p:spPr>
-          <a:xfrm>
-            <a:off x="4848031" y="257452"/>
-            <a:ext cx="532660" cy="261610"/>
-          </a:xfrm>
-          <a:prstGeom prst="rect">
-            <a:avLst/>
-          </a:prstGeom>
-          <a:noFill/>
-        </p:spPr>
-        <p:txBody>
-          <a:bodyPr wrap="square" rtlCol="0">
-            <a:spAutoFit/>
-          </a:bodyPr>
-          <a:lstStyle/>
-          <a:p>
-            <a:r>
-              <a:rPr lang="en-US" sz="1100" dirty="0"/>
-              <a:t>GCQ</a:t>
-            </a:r>
-          </a:p>
-        </p:txBody>
-      </p:sp>
-      <p:sp>
-        <p:nvSpPr>
-          <p:cNvPr id="13" name="TextBox 12">
-            <a:extLst>
-              <a:ext uri="{FF2B5EF4-FFF2-40B4-BE49-F238E27FC236}">
-                <a16:creationId xmlns:a16="http://schemas.microsoft.com/office/drawing/2014/main" id="{45957690-6C63-094E-8A69-C74D897600CD}"/>
-              </a:ext>
-            </a:extLst>
-          </p:cNvPr>
-          <p:cNvSpPr txBox="1"/>
-          <p:nvPr/>
-        </p:nvSpPr>
-        <p:spPr>
-          <a:xfrm rot="16200000">
-            <a:off x="4068689" y="227540"/>
-            <a:ext cx="740725" cy="261610"/>
-          </a:xfrm>
-          <a:prstGeom prst="rect">
-            <a:avLst/>
-          </a:prstGeom>
-          <a:noFill/>
-        </p:spPr>
-        <p:txBody>
-          <a:bodyPr wrap="square" rtlCol="0">
-            <a:spAutoFit/>
-          </a:bodyPr>
-          <a:lstStyle/>
-          <a:p>
-            <a:r>
-              <a:rPr lang="en-US" sz="1100" dirty="0"/>
-              <a:t>MECQ</a:t>
+              <a:rPr lang="en-US" dirty="0"/>
+              <a:t>D</a:t>
             </a:r>
           </a:p>
         </p:txBody>
